--- a/files/sleep/sleep_study_intro.pptx
+++ b/files/sleep/sleep_study_intro.pptx
@@ -5,7 +5,7 @@
     <p:sldMasterId id="2147483648" r:id="rId1"/>
   </p:sldMasterIdLst>
   <p:notesMasterIdLst>
-    <p:notesMasterId r:id="rId10"/>
+    <p:notesMasterId r:id="rId11"/>
   </p:notesMasterIdLst>
   <p:sldIdLst>
     <p:sldId id="330" r:id="rId2"/>
@@ -16,6 +16,7 @@
     <p:sldId id="335" r:id="rId7"/>
     <p:sldId id="265" r:id="rId8"/>
     <p:sldId id="310" r:id="rId9"/>
+    <p:sldId id="336" r:id="rId10"/>
   </p:sldIdLst>
   <p:sldSz cx="12192000" cy="6858000"/>
   <p:notesSz cx="6858000" cy="9144000"/>
@@ -10656,7 +10657,7 @@
         </p:nvGrpSpPr>
         <p:grpSpPr>
           <a:xfrm>
-            <a:off x="1016001" y="1035146"/>
+            <a:off x="989368" y="1052344"/>
             <a:ext cx="3399809" cy="5189633"/>
             <a:chOff x="457198" y="889325"/>
             <a:chExt cx="2321259" cy="3811263"/>
@@ -12053,7 +12054,7 @@
         </p:blipFill>
         <p:spPr bwMode="auto">
           <a:xfrm>
-            <a:off x="950287" y="3252833"/>
+            <a:off x="1036479" y="3298120"/>
             <a:ext cx="4673600" cy="2143204"/>
           </a:xfrm>
           <a:prstGeom prst="rect">
@@ -12327,6 +12328,73 @@
       </p:transition>
     </mc:Fallback>
   </mc:AlternateContent>
+</p:sld>
+</file>
+
+<file path=ppt/slides/slide9.xml><?xml version="1.0" encoding="utf-8"?>
+<p:sld xmlns:a="http://schemas.openxmlformats.org/drawingml/2006/main" xmlns:r="http://schemas.openxmlformats.org/officeDocument/2006/relationships" xmlns:p="http://schemas.openxmlformats.org/presentationml/2006/main">
+  <p:cSld>
+    <p:spTree>
+      <p:nvGrpSpPr>
+        <p:cNvPr id="1" name=""/>
+        <p:cNvGrpSpPr/>
+        <p:nvPr/>
+      </p:nvGrpSpPr>
+      <p:grpSpPr>
+        <a:xfrm>
+          <a:off x="0" y="0"/>
+          <a:ext cx="0" cy="0"/>
+          <a:chOff x="0" y="0"/>
+          <a:chExt cx="0" cy="0"/>
+        </a:xfrm>
+      </p:grpSpPr>
+      <p:pic>
+        <p:nvPicPr>
+          <p:cNvPr id="2" name="Picture 1">
+            <a:extLst>
+              <a:ext uri="{FF2B5EF4-FFF2-40B4-BE49-F238E27FC236}">
+                <a16:creationId xmlns:a16="http://schemas.microsoft.com/office/drawing/2014/main" id="{DAA3044E-AAE7-55EA-5263-7E30BC88DE52}"/>
+              </a:ext>
+            </a:extLst>
+          </p:cNvPr>
+          <p:cNvPicPr>
+            <a:picLocks noChangeAspect="1"/>
+          </p:cNvPicPr>
+          <p:nvPr/>
+        </p:nvPicPr>
+        <p:blipFill rotWithShape="1">
+          <a:blip r:embed="rId2"/>
+          <a:srcRect l="12397" t="63745" r="47191" b="4525"/>
+          <a:stretch/>
+        </p:blipFill>
+        <p:spPr bwMode="auto">
+          <a:xfrm>
+            <a:off x="931652" y="517585"/>
+            <a:ext cx="4372634" cy="1932317"/>
+          </a:xfrm>
+          <a:prstGeom prst="rect">
+            <a:avLst/>
+          </a:prstGeom>
+          <a:ln>
+            <a:noFill/>
+          </a:ln>
+          <a:extLst>
+            <a:ext uri="{53640926-AAD7-44D8-BBD7-CCE9431645EC}">
+              <a14:shadowObscured xmlns:a14="http://schemas.microsoft.com/office/drawing/2010/main"/>
+            </a:ext>
+          </a:extLst>
+        </p:spPr>
+      </p:pic>
+    </p:spTree>
+    <p:extLst>
+      <p:ext uri="{BB962C8B-B14F-4D97-AF65-F5344CB8AC3E}">
+        <p14:creationId xmlns:p14="http://schemas.microsoft.com/office/powerpoint/2010/main" val="601780007"/>
+      </p:ext>
+    </p:extLst>
+  </p:cSld>
+  <p:clrMapOvr>
+    <a:masterClrMapping/>
+  </p:clrMapOvr>
 </p:sld>
 </file>
 

--- a/files/sleep/sleep_study_intro.pptx
+++ b/files/sleep/sleep_study_intro.pptx
@@ -10645,10 +10645,10 @@
       </p:graphicFrame>
       <p:grpSp>
         <p:nvGrpSpPr>
-          <p:cNvPr id="7" name="Group 6">
-            <a:extLst>
-              <a:ext uri="{FF2B5EF4-FFF2-40B4-BE49-F238E27FC236}">
-                <a16:creationId xmlns:a16="http://schemas.microsoft.com/office/drawing/2014/main" id="{747423DB-EF79-4FD8-8980-63B5344E9489}"/>
+          <p:cNvPr id="6" name="Group 5">
+            <a:extLst>
+              <a:ext uri="{FF2B5EF4-FFF2-40B4-BE49-F238E27FC236}">
+                <a16:creationId xmlns:a16="http://schemas.microsoft.com/office/drawing/2014/main" id="{B395E7D9-8336-4038-B706-6B38F65ED92E}"/>
               </a:ext>
             </a:extLst>
           </p:cNvPr>
@@ -10657,182 +10657,53 @@
         </p:nvGrpSpPr>
         <p:grpSpPr>
           <a:xfrm>
-            <a:off x="989368" y="1052344"/>
-            <a:ext cx="3399809" cy="5189633"/>
-            <a:chOff x="457198" y="889325"/>
-            <a:chExt cx="2321259" cy="3811263"/>
+            <a:off x="1051512" y="1114488"/>
+            <a:ext cx="3431874" cy="5189633"/>
+            <a:chOff x="-838202" y="936305"/>
+            <a:chExt cx="2343152" cy="3811263"/>
           </a:xfrm>
         </p:grpSpPr>
-        <p:grpSp>
-          <p:nvGrpSpPr>
-            <p:cNvPr id="6" name="Group 5">
+        <p:pic>
+          <p:nvPicPr>
+            <p:cNvPr id="8" name="Picture 7">
               <a:extLst>
                 <a:ext uri="{FF2B5EF4-FFF2-40B4-BE49-F238E27FC236}">
-                  <a16:creationId xmlns:a16="http://schemas.microsoft.com/office/drawing/2014/main" id="{B395E7D9-8336-4038-B706-6B38F65ED92E}"/>
+                  <a16:creationId xmlns:a16="http://schemas.microsoft.com/office/drawing/2014/main" id="{9DD4E9D3-B070-4F40-9A94-15C4D7476090}"/>
                 </a:ext>
               </a:extLst>
             </p:cNvPr>
-            <p:cNvGrpSpPr/>
+            <p:cNvPicPr/>
             <p:nvPr/>
-          </p:nvGrpSpPr>
-          <p:grpSpPr>
+          </p:nvPicPr>
+          <p:blipFill rotWithShape="1">
+            <a:blip r:embed="rId3"/>
+            <a:srcRect l="16794" t="4601" r="68158" b="36827"/>
+            <a:stretch/>
+          </p:blipFill>
+          <p:spPr bwMode="auto">
             <a:xfrm>
-              <a:off x="457198" y="889325"/>
-              <a:ext cx="2321259" cy="3811263"/>
-              <a:chOff x="-838202" y="838319"/>
-              <a:chExt cx="2321259" cy="3811263"/>
+              <a:off x="-171450" y="936305"/>
+              <a:ext cx="1676400" cy="3811263"/>
             </a:xfrm>
-          </p:grpSpPr>
-          <p:pic>
-            <p:nvPicPr>
-              <p:cNvPr id="8" name="Picture 7">
-                <a:extLst>
-                  <a:ext uri="{FF2B5EF4-FFF2-40B4-BE49-F238E27FC236}">
-                    <a16:creationId xmlns:a16="http://schemas.microsoft.com/office/drawing/2014/main" id="{9DD4E9D3-B070-4F40-9A94-15C4D7476090}"/>
-                  </a:ext>
-                </a:extLst>
-              </p:cNvPr>
-              <p:cNvPicPr/>
-              <p:nvPr/>
-            </p:nvPicPr>
-            <p:blipFill rotWithShape="1">
-              <a:blip r:embed="rId3"/>
-              <a:srcRect l="16794" t="4601" r="68158" b="36827"/>
-              <a:stretch/>
-            </p:blipFill>
-            <p:spPr bwMode="auto">
-              <a:xfrm>
-                <a:off x="-193343" y="838319"/>
-                <a:ext cx="1676400" cy="3811263"/>
-              </a:xfrm>
-              <a:prstGeom prst="rect">
-                <a:avLst/>
-              </a:prstGeom>
-              <a:ln>
-                <a:noFill/>
-              </a:ln>
-              <a:extLst>
-                <a:ext uri="{53640926-AAD7-44D8-BBD7-CCE9431645EC}">
-                  <a14:shadowObscured xmlns:a14="http://schemas.microsoft.com/office/drawing/2010/main"/>
-                </a:ext>
-              </a:extLst>
-            </p:spPr>
-          </p:pic>
-          <p:sp>
-            <p:nvSpPr>
-              <p:cNvPr id="5" name="Rectangle 4">
-                <a:extLst>
-                  <a:ext uri="{FF2B5EF4-FFF2-40B4-BE49-F238E27FC236}">
-                    <a16:creationId xmlns:a16="http://schemas.microsoft.com/office/drawing/2014/main" id="{A3D16A6A-F207-4824-B2AC-F396B67AC859}"/>
-                  </a:ext>
-                </a:extLst>
-              </p:cNvPr>
-              <p:cNvSpPr/>
-              <p:nvPr/>
-            </p:nvSpPr>
-            <p:spPr>
-              <a:xfrm>
-                <a:off x="-838202" y="2636047"/>
-                <a:ext cx="190500" cy="215805"/>
-              </a:xfrm>
-              <a:prstGeom prst="rect">
-                <a:avLst/>
-              </a:prstGeom>
-              <a:solidFill>
-                <a:schemeClr val="bg1"/>
-              </a:solidFill>
-              <a:ln>
-                <a:solidFill>
-                  <a:schemeClr val="bg1"/>
-                </a:solidFill>
-              </a:ln>
-            </p:spPr>
-            <p:style>
-              <a:lnRef idx="2">
-                <a:schemeClr val="accent1">
-                  <a:shade val="50000"/>
-                </a:schemeClr>
-              </a:lnRef>
-              <a:fillRef idx="1">
-                <a:schemeClr val="accent1"/>
-              </a:fillRef>
-              <a:effectRef idx="0">
-                <a:schemeClr val="accent1"/>
-              </a:effectRef>
-              <a:fontRef idx="minor">
-                <a:schemeClr val="lt1"/>
-              </a:fontRef>
-            </p:style>
-            <p:txBody>
-              <a:bodyPr rtlCol="0" anchor="ctr"/>
-              <a:lstStyle/>
-              <a:p>
-                <a:pPr algn="ctr"/>
-                <a:endParaRPr lang="en-US" sz="2400"/>
-              </a:p>
-            </p:txBody>
-          </p:sp>
-          <p:sp>
-            <p:nvSpPr>
-              <p:cNvPr id="12" name="Rectangle 11">
-                <a:extLst>
-                  <a:ext uri="{FF2B5EF4-FFF2-40B4-BE49-F238E27FC236}">
-                    <a16:creationId xmlns:a16="http://schemas.microsoft.com/office/drawing/2014/main" id="{BF6E296C-D68C-46E0-8D76-A052ADFE59FB}"/>
-                  </a:ext>
-                </a:extLst>
-              </p:cNvPr>
-              <p:cNvSpPr/>
-              <p:nvPr/>
-            </p:nvSpPr>
-            <p:spPr>
-              <a:xfrm>
-                <a:off x="-457200" y="4386677"/>
-                <a:ext cx="571500" cy="215805"/>
-              </a:xfrm>
-              <a:prstGeom prst="rect">
-                <a:avLst/>
-              </a:prstGeom>
-              <a:solidFill>
-                <a:schemeClr val="bg1"/>
-              </a:solidFill>
-              <a:ln>
-                <a:solidFill>
-                  <a:schemeClr val="bg1"/>
-                </a:solidFill>
-              </a:ln>
-            </p:spPr>
-            <p:style>
-              <a:lnRef idx="2">
-                <a:schemeClr val="accent1">
-                  <a:shade val="50000"/>
-                </a:schemeClr>
-              </a:lnRef>
-              <a:fillRef idx="1">
-                <a:schemeClr val="accent1"/>
-              </a:fillRef>
-              <a:effectRef idx="0">
-                <a:schemeClr val="accent1"/>
-              </a:effectRef>
-              <a:fontRef idx="minor">
-                <a:schemeClr val="lt1"/>
-              </a:fontRef>
-            </p:style>
-            <p:txBody>
-              <a:bodyPr rtlCol="0" anchor="ctr"/>
-              <a:lstStyle/>
-              <a:p>
-                <a:pPr algn="ctr"/>
-                <a:endParaRPr lang="en-US" sz="2400"/>
-              </a:p>
-            </p:txBody>
-          </p:sp>
-        </p:grpSp>
+            <a:prstGeom prst="rect">
+              <a:avLst/>
+            </a:prstGeom>
+            <a:ln>
+              <a:noFill/>
+            </a:ln>
+            <a:extLst>
+              <a:ext uri="{53640926-AAD7-44D8-BBD7-CCE9431645EC}">
+                <a14:shadowObscured xmlns:a14="http://schemas.microsoft.com/office/drawing/2010/main"/>
+              </a:ext>
+            </a:extLst>
+          </p:spPr>
+        </p:pic>
         <p:sp>
           <p:nvSpPr>
-            <p:cNvPr id="13" name="Rectangle 12">
+            <p:cNvPr id="5" name="Rectangle 4">
               <a:extLst>
                 <a:ext uri="{FF2B5EF4-FFF2-40B4-BE49-F238E27FC236}">
-                  <a16:creationId xmlns:a16="http://schemas.microsoft.com/office/drawing/2014/main" id="{3DA4D04E-B770-48C4-86EB-7DCDD17F07DB}"/>
+                  <a16:creationId xmlns:a16="http://schemas.microsoft.com/office/drawing/2014/main" id="{A3D16A6A-F207-4824-B2AC-F396B67AC859}"/>
                 </a:ext>
               </a:extLst>
             </p:cNvPr>
@@ -10841,7 +10712,61 @@
           </p:nvSpPr>
           <p:spPr>
             <a:xfrm>
-              <a:off x="915819" y="2541101"/>
+              <a:off x="-838202" y="2636047"/>
+              <a:ext cx="190500" cy="215805"/>
+            </a:xfrm>
+            <a:prstGeom prst="rect">
+              <a:avLst/>
+            </a:prstGeom>
+            <a:solidFill>
+              <a:schemeClr val="bg1"/>
+            </a:solidFill>
+            <a:ln>
+              <a:solidFill>
+                <a:schemeClr val="bg1"/>
+              </a:solidFill>
+            </a:ln>
+          </p:spPr>
+          <p:style>
+            <a:lnRef idx="2">
+              <a:schemeClr val="accent1">
+                <a:shade val="50000"/>
+              </a:schemeClr>
+            </a:lnRef>
+            <a:fillRef idx="1">
+              <a:schemeClr val="accent1"/>
+            </a:fillRef>
+            <a:effectRef idx="0">
+              <a:schemeClr val="accent1"/>
+            </a:effectRef>
+            <a:fontRef idx="minor">
+              <a:schemeClr val="lt1"/>
+            </a:fontRef>
+          </p:style>
+          <p:txBody>
+            <a:bodyPr rtlCol="0" anchor="ctr"/>
+            <a:lstStyle/>
+            <a:p>
+              <a:pPr algn="ctr"/>
+              <a:endParaRPr lang="en-US" sz="2400"/>
+            </a:p>
+          </p:txBody>
+        </p:sp>
+        <p:sp>
+          <p:nvSpPr>
+            <p:cNvPr id="12" name="Rectangle 11">
+              <a:extLst>
+                <a:ext uri="{FF2B5EF4-FFF2-40B4-BE49-F238E27FC236}">
+                  <a16:creationId xmlns:a16="http://schemas.microsoft.com/office/drawing/2014/main" id="{BF6E296C-D68C-46E0-8D76-A052ADFE59FB}"/>
+                </a:ext>
+              </a:extLst>
+            </p:cNvPr>
+            <p:cNvSpPr/>
+            <p:nvPr/>
+          </p:nvSpPr>
+          <p:spPr>
+            <a:xfrm>
+              <a:off x="-457200" y="4434839"/>
               <a:ext cx="571500" cy="215805"/>
             </a:xfrm>
             <a:prstGeom prst="rect">
@@ -10882,6 +10807,60 @@
           </p:txBody>
         </p:sp>
       </p:grpSp>
+      <p:sp>
+        <p:nvSpPr>
+          <p:cNvPr id="13" name="Rectangle 12">
+            <a:extLst>
+              <a:ext uri="{FF2B5EF4-FFF2-40B4-BE49-F238E27FC236}">
+                <a16:creationId xmlns:a16="http://schemas.microsoft.com/office/drawing/2014/main" id="{3DA4D04E-B770-48C4-86EB-7DCDD17F07DB}"/>
+              </a:ext>
+            </a:extLst>
+          </p:cNvPr>
+          <p:cNvSpPr/>
+          <p:nvPr/>
+        </p:nvSpPr>
+        <p:spPr>
+          <a:xfrm>
+            <a:off x="1811191" y="3325551"/>
+            <a:ext cx="837042" cy="293852"/>
+          </a:xfrm>
+          <a:prstGeom prst="rect">
+            <a:avLst/>
+          </a:prstGeom>
+          <a:solidFill>
+            <a:schemeClr val="bg1"/>
+          </a:solidFill>
+          <a:ln>
+            <a:solidFill>
+              <a:schemeClr val="bg1"/>
+            </a:solidFill>
+          </a:ln>
+        </p:spPr>
+        <p:style>
+          <a:lnRef idx="2">
+            <a:schemeClr val="accent1">
+              <a:shade val="50000"/>
+            </a:schemeClr>
+          </a:lnRef>
+          <a:fillRef idx="1">
+            <a:schemeClr val="accent1"/>
+          </a:fillRef>
+          <a:effectRef idx="0">
+            <a:schemeClr val="accent1"/>
+          </a:effectRef>
+          <a:fontRef idx="minor">
+            <a:schemeClr val="lt1"/>
+          </a:fontRef>
+        </p:style>
+        <p:txBody>
+          <a:bodyPr rtlCol="0" anchor="ctr"/>
+          <a:lstStyle/>
+          <a:p>
+            <a:pPr algn="ctr"/>
+            <a:endParaRPr lang="en-US" sz="2400"/>
+          </a:p>
+        </p:txBody>
+      </p:sp>
     </p:spTree>
     <p:extLst>
       <p:ext uri="{BB962C8B-B14F-4D97-AF65-F5344CB8AC3E}">
